--- a/test/pptx/blanks/just-speaker-notes/deleted-layouts.pptx
+++ b/test/pptx/blanks/just-speaker-notes/deleted-layouts.pptx
@@ -5,7 +5,7 @@
     <p:sldMasterId id="2147483648" r:id="rId1"/>
   </p:sldMasterIdLst>
   <p:notesMasterIdLst>
-    <p:NotesMasterId r:id="rId5"/>
+    <p:notesMasterId r:id="rId5"/>
   </p:notesMasterIdLst>
   <p:sldIdLst>
     <p:sldId id="256" r:id="rId2"/>

--- a/test/pptx/blanks/just-speaker-notes/deleted-layouts.pptx
+++ b/test/pptx/blanks/just-speaker-notes/deleted-layouts.pptx
@@ -516,87 +516,7 @@
             </a:pPr>
             <a:r>
               <a:rPr/>
-              <a:t>Some</a:t>
-            </a:r>
-            <a:r>
-              <a:rPr/>
-              <a:t> </a:t>
-            </a:r>
-            <a:r>
-              <a:rPr/>
-              <a:t>notes</a:t>
-            </a:r>
-            <a:r>
-              <a:rPr/>
-              <a:t> </a:t>
-            </a:r>
-            <a:r>
-              <a:rPr/>
-              <a:t>here:</a:t>
-            </a:r>
-            <a:r>
-              <a:rPr/>
-              <a:t> </a:t>
-            </a:r>
-            <a:r>
-              <a:rPr/>
-              <a:t>this</a:t>
-            </a:r>
-            <a:r>
-              <a:rPr/>
-              <a:t> </a:t>
-            </a:r>
-            <a:r>
-              <a:rPr/>
-              <a:t>first</a:t>
-            </a:r>
-            <a:r>
-              <a:rPr/>
-              <a:t> </a:t>
-            </a:r>
-            <a:r>
-              <a:rPr/>
-              <a:t>slide</a:t>
-            </a:r>
-            <a:r>
-              <a:rPr/>
-              <a:t> </a:t>
-            </a:r>
-            <a:r>
-              <a:rPr/>
-              <a:t>should</a:t>
-            </a:r>
-            <a:r>
-              <a:rPr/>
-              <a:t> </a:t>
-            </a:r>
-            <a:r>
-              <a:rPr/>
-              <a:t>use</a:t>
-            </a:r>
-            <a:r>
-              <a:rPr/>
-              <a:t> </a:t>
-            </a:r>
-            <a:r>
-              <a:rPr/>
-              <a:t>the</a:t>
-            </a:r>
-            <a:r>
-              <a:rPr/>
-              <a:t> </a:t>
-            </a:r>
-            <a:r>
-              <a:rPr/>
-              <a:t>Blank</a:t>
-            </a:r>
-            <a:r>
-              <a:rPr/>
-              <a:t> </a:t>
-            </a:r>
-            <a:r>
-              <a:rPr/>
-              <a:t>template</a:t>
+              <a:t>Some notes here: this first slide should use the Blank template</a:t>
             </a:r>
           </a:p>
         </p:txBody>
@@ -3849,15 +3769,7 @@
             </a:pPr>
             <a:r>
               <a:rPr/>
-              <a:t>First</a:t>
-            </a:r>
-            <a:r>
-              <a:rPr/>
-              <a:t> </a:t>
-            </a:r>
-            <a:r>
-              <a:rPr/>
-              <a:t>slide</a:t>
+              <a:t>First slide</a:t>
             </a:r>
           </a:p>
         </p:txBody>
@@ -3951,15 +3863,7 @@
             </a:pPr>
             <a:r>
               <a:rPr/>
-              <a:t>Third</a:t>
-            </a:r>
-            <a:r>
-              <a:rPr/>
-              <a:t> </a:t>
-            </a:r>
-            <a:r>
-              <a:rPr/>
-              <a:t>slide</a:t>
+              <a:t>Third slide</a:t>
             </a:r>
           </a:p>
         </p:txBody>

--- a/test/pptx/blanks/just-speaker-notes/deleted-layouts.pptx
+++ b/test/pptx/blanks/just-speaker-notes/deleted-layouts.pptx
@@ -516,83 +516,43 @@
             </a:pPr>
             <a:r>
               <a:rPr/>
-              <a:t>Some</a:t>
+              <a:t>Some </a:t>
             </a:r>
             <a:r>
               <a:rPr/>
-              <a:t> </a:t>
+              <a:t>notes </a:t>
             </a:r>
             <a:r>
               <a:rPr/>
-              <a:t>notes</a:t>
+              <a:t>here: </a:t>
             </a:r>
             <a:r>
               <a:rPr/>
-              <a:t> </a:t>
+              <a:t>this </a:t>
             </a:r>
             <a:r>
               <a:rPr/>
-              <a:t>here:</a:t>
+              <a:t>first </a:t>
             </a:r>
             <a:r>
               <a:rPr/>
-              <a:t> </a:t>
+              <a:t>slide </a:t>
             </a:r>
             <a:r>
               <a:rPr/>
-              <a:t>this</a:t>
+              <a:t>should </a:t>
             </a:r>
             <a:r>
               <a:rPr/>
-              <a:t> </a:t>
+              <a:t>use </a:t>
             </a:r>
             <a:r>
               <a:rPr/>
-              <a:t>first</a:t>
+              <a:t>the </a:t>
             </a:r>
             <a:r>
               <a:rPr/>
-              <a:t> </a:t>
-            </a:r>
-            <a:r>
-              <a:rPr/>
-              <a:t>slide</a:t>
-            </a:r>
-            <a:r>
-              <a:rPr/>
-              <a:t> </a:t>
-            </a:r>
-            <a:r>
-              <a:rPr/>
-              <a:t>should</a:t>
-            </a:r>
-            <a:r>
-              <a:rPr/>
-              <a:t> </a:t>
-            </a:r>
-            <a:r>
-              <a:rPr/>
-              <a:t>use</a:t>
-            </a:r>
-            <a:r>
-              <a:rPr/>
-              <a:t> </a:t>
-            </a:r>
-            <a:r>
-              <a:rPr/>
-              <a:t>the</a:t>
-            </a:r>
-            <a:r>
-              <a:rPr/>
-              <a:t> </a:t>
-            </a:r>
-            <a:r>
-              <a:rPr/>
-              <a:t>Blank</a:t>
-            </a:r>
-            <a:r>
-              <a:rPr/>
-              <a:t> </a:t>
+              <a:t>Blank </a:t>
             </a:r>
             <a:r>
               <a:rPr/>
@@ -3849,11 +3809,7 @@
             </a:pPr>
             <a:r>
               <a:rPr/>
-              <a:t>First</a:t>
-            </a:r>
-            <a:r>
-              <a:rPr/>
-              <a:t> </a:t>
+              <a:t>First </a:t>
             </a:r>
             <a:r>
               <a:rPr/>
@@ -3951,11 +3907,7 @@
             </a:pPr>
             <a:r>
               <a:rPr/>
-              <a:t>Third</a:t>
-            </a:r>
-            <a:r>
-              <a:rPr/>
-              <a:t> </a:t>
+              <a:t>Third </a:t>
             </a:r>
             <a:r>
               <a:rPr/>

--- a/test/pptx/blanks/just-speaker-notes/deleted-layouts.pptx
+++ b/test/pptx/blanks/just-speaker-notes/deleted-layouts.pptx
@@ -516,43 +516,83 @@
             </a:pPr>
             <a:r>
               <a:rPr/>
-              <a:t>Some </a:t>
+              <a:t>Some</a:t>
             </a:r>
             <a:r>
               <a:rPr/>
-              <a:t>notes </a:t>
+              <a:t> </a:t>
             </a:r>
             <a:r>
               <a:rPr/>
-              <a:t>here: </a:t>
+              <a:t>notes</a:t>
             </a:r>
             <a:r>
               <a:rPr/>
-              <a:t>this </a:t>
+              <a:t> </a:t>
             </a:r>
             <a:r>
               <a:rPr/>
-              <a:t>first </a:t>
+              <a:t>here:</a:t>
             </a:r>
             <a:r>
               <a:rPr/>
-              <a:t>slide </a:t>
+              <a:t> </a:t>
             </a:r>
             <a:r>
               <a:rPr/>
-              <a:t>should </a:t>
+              <a:t>this</a:t>
             </a:r>
             <a:r>
               <a:rPr/>
-              <a:t>use </a:t>
+              <a:t> </a:t>
             </a:r>
             <a:r>
               <a:rPr/>
-              <a:t>the </a:t>
+              <a:t>first</a:t>
             </a:r>
             <a:r>
               <a:rPr/>
-              <a:t>Blank </a:t>
+              <a:t> </a:t>
+            </a:r>
+            <a:r>
+              <a:rPr/>
+              <a:t>slide</a:t>
+            </a:r>
+            <a:r>
+              <a:rPr/>
+              <a:t> </a:t>
+            </a:r>
+            <a:r>
+              <a:rPr/>
+              <a:t>should</a:t>
+            </a:r>
+            <a:r>
+              <a:rPr/>
+              <a:t> </a:t>
+            </a:r>
+            <a:r>
+              <a:rPr/>
+              <a:t>use</a:t>
+            </a:r>
+            <a:r>
+              <a:rPr/>
+              <a:t> </a:t>
+            </a:r>
+            <a:r>
+              <a:rPr/>
+              <a:t>the</a:t>
+            </a:r>
+            <a:r>
+              <a:rPr/>
+              <a:t> </a:t>
+            </a:r>
+            <a:r>
+              <a:rPr/>
+              <a:t>Blank</a:t>
+            </a:r>
+            <a:r>
+              <a:rPr/>
+              <a:t> </a:t>
             </a:r>
             <a:r>
               <a:rPr/>
@@ -3809,7 +3849,11 @@
             </a:pPr>
             <a:r>
               <a:rPr/>
-              <a:t>First </a:t>
+              <a:t>First</a:t>
+            </a:r>
+            <a:r>
+              <a:rPr/>
+              <a:t> </a:t>
             </a:r>
             <a:r>
               <a:rPr/>
@@ -3907,7 +3951,11 @@
             </a:pPr>
             <a:r>
               <a:rPr/>
-              <a:t>Third </a:t>
+              <a:t>Third</a:t>
+            </a:r>
+            <a:r>
+              <a:rPr/>
+              <a:t> </a:t>
             </a:r>
             <a:r>
               <a:rPr/>
